--- a/Predicting_Heart_Failure_Kaggle.pptx
+++ b/Predicting_Heart_Failure_Kaggle.pptx
@@ -3382,7 +3382,7 @@
           <a:p>
             <a:fld id="{043B725B-653D-4166-A8E9-72A38A1847CF}" type="datetimeFigureOut">
               <a:rPr lang="en-US"/>
-              <a:t>2/23/2023</a:t>
+              <a:t>3/31/2023</a:t>
             </a:fld>
             <a:endParaRPr/>
           </a:p>
@@ -3547,7 +3547,7 @@
           <a:p>
             <a:fld id="{783F64CD-0576-4A9A-BD06-7889D6E60BDC}" type="datetimeFigureOut">
               <a:rPr lang="en-US"/>
-              <a:t>2/22/2023</a:t>
+              <a:t>3/31/2023</a:t>
             </a:fld>
             <a:endParaRPr/>
           </a:p>
@@ -4145,7 +4145,7 @@
           <a:p>
             <a:fld id="{37CC0096-1860-4642-9CD2-0079EA5E7CD1}" type="datetimeFigureOut">
               <a:rPr lang="en-US"/>
-              <a:t>2/22/2023</a:t>
+              <a:t>3/31/2023</a:t>
             </a:fld>
             <a:endParaRPr/>
           </a:p>
@@ -4394,7 +4394,7 @@
           <a:p>
             <a:fld id="{37CC0096-1860-4642-9CD2-0079EA5E7CD1}" type="datetimeFigureOut">
               <a:rPr lang="en-US"/>
-              <a:t>2/22/2023</a:t>
+              <a:t>3/31/2023</a:t>
             </a:fld>
             <a:endParaRPr/>
           </a:p>
@@ -4580,7 +4580,7 @@
           <a:p>
             <a:fld id="{37CC0096-1860-4642-9CD2-0079EA5E7CD1}" type="datetimeFigureOut">
               <a:rPr lang="en-US"/>
-              <a:t>2/22/2023</a:t>
+              <a:t>3/31/2023</a:t>
             </a:fld>
             <a:endParaRPr/>
           </a:p>
@@ -5111,7 +5111,7 @@
           <a:p>
             <a:fld id="{37CC0096-1860-4642-9CD2-0079EA5E7CD1}" type="datetimeFigureOut">
               <a:rPr lang="en-US"/>
-              <a:t>2/22/2023</a:t>
+              <a:t>3/31/2023</a:t>
             </a:fld>
             <a:endParaRPr/>
           </a:p>
@@ -5563,7 +5563,7 @@
           <a:p>
             <a:fld id="{37CC0096-1860-4642-9CD2-0079EA5E7CD1}" type="datetimeFigureOut">
               <a:rPr lang="en-US"/>
-              <a:t>2/22/2023</a:t>
+              <a:t>3/31/2023</a:t>
             </a:fld>
             <a:endParaRPr/>
           </a:p>
@@ -5693,7 +5693,7 @@
           <a:p>
             <a:fld id="{37CC0096-1860-4642-9CD2-0079EA5E7CD1}" type="datetimeFigureOut">
               <a:rPr lang="en-US"/>
-              <a:t>2/22/2023</a:t>
+              <a:t>3/31/2023</a:t>
             </a:fld>
             <a:endParaRPr/>
           </a:p>
@@ -5800,7 +5800,7 @@
           <a:p>
             <a:fld id="{37CC0096-1860-4642-9CD2-0079EA5E7CD1}" type="datetimeFigureOut">
               <a:rPr lang="en-US"/>
-              <a:t>2/22/2023</a:t>
+              <a:t>3/31/2023</a:t>
             </a:fld>
             <a:endParaRPr/>
           </a:p>
@@ -6789,7 +6789,7 @@
             <a:fld id="{37CC0096-1860-4642-9CD2-0079EA5E7CD1}" type="datetimeFigureOut">
               <a:rPr lang="en-US" smtClean="0"/>
               <a:pPr/>
-              <a:t>2/22/2023</a:t>
+              <a:t>3/31/2023</a:t>
             </a:fld>
             <a:endParaRPr lang="en-US" dirty="0"/>
           </a:p>
@@ -7486,13 +7486,13 @@
   <p:clrMapOvr>
     <a:masterClrMapping/>
   </p:clrMapOvr>
-  <mc:AlternateContent xmlns:mc="http://schemas.openxmlformats.org/markup-compatibility/2006">
-    <mc:Choice xmlns:p14="http://schemas.microsoft.com/office/powerpoint/2010/main" Requires="p14">
+  <mc:AlternateContent xmlns:mc="http://schemas.openxmlformats.org/markup-compatibility/2006" xmlns:p14="http://schemas.microsoft.com/office/powerpoint/2010/main">
+    <mc:Choice Requires="p14">
       <p:transition spd="med" p14:dur="700">
         <p:fade/>
       </p:transition>
     </mc:Choice>
-    <mc:Fallback>
+    <mc:Fallback xmlns="">
       <p:transition spd="med">
         <p:fade/>
       </p:transition>
@@ -7604,13 +7604,13 @@
   <p:clrMapOvr>
     <a:masterClrMapping/>
   </p:clrMapOvr>
-  <mc:AlternateContent xmlns:mc="http://schemas.openxmlformats.org/markup-compatibility/2006">
-    <mc:Choice xmlns:p14="http://schemas.microsoft.com/office/powerpoint/2010/main" Requires="p14">
+  <mc:AlternateContent xmlns:mc="http://schemas.openxmlformats.org/markup-compatibility/2006" xmlns:p14="http://schemas.microsoft.com/office/powerpoint/2010/main">
+    <mc:Choice Requires="p14">
       <p:transition spd="med" p14:dur="700">
         <p:fade/>
       </p:transition>
     </mc:Choice>
-    <mc:Fallback>
+    <mc:Fallback xmlns="">
       <p:transition spd="med">
         <p:fade/>
       </p:transition>
@@ -7788,13 +7788,13 @@
   <p:clrMapOvr>
     <a:masterClrMapping/>
   </p:clrMapOvr>
-  <mc:AlternateContent xmlns:mc="http://schemas.openxmlformats.org/markup-compatibility/2006">
-    <mc:Choice xmlns:p14="http://schemas.microsoft.com/office/powerpoint/2010/main" Requires="p14">
+  <mc:AlternateContent xmlns:mc="http://schemas.openxmlformats.org/markup-compatibility/2006" xmlns:p14="http://schemas.microsoft.com/office/powerpoint/2010/main">
+    <mc:Choice Requires="p14">
       <p:transition spd="med" p14:dur="700">
         <p:fade/>
       </p:transition>
     </mc:Choice>
-    <mc:Fallback>
+    <mc:Fallback xmlns="">
       <p:transition spd="med">
         <p:fade/>
       </p:transition>
@@ -7906,13 +7906,13 @@
   <p:clrMapOvr>
     <a:masterClrMapping/>
   </p:clrMapOvr>
-  <mc:AlternateContent xmlns:mc="http://schemas.openxmlformats.org/markup-compatibility/2006">
-    <mc:Choice xmlns:p14="http://schemas.microsoft.com/office/powerpoint/2010/main" Requires="p14">
+  <mc:AlternateContent xmlns:mc="http://schemas.openxmlformats.org/markup-compatibility/2006" xmlns:p14="http://schemas.microsoft.com/office/powerpoint/2010/main">
+    <mc:Choice Requires="p14">
       <p:transition spd="med" p14:dur="700">
         <p:fade/>
       </p:transition>
     </mc:Choice>
-    <mc:Fallback>
+    <mc:Fallback xmlns="">
       <p:transition spd="med">
         <p:fade/>
       </p:transition>
@@ -8023,13 +8023,13 @@
   <p:clrMapOvr>
     <a:masterClrMapping/>
   </p:clrMapOvr>
-  <mc:AlternateContent xmlns:mc="http://schemas.openxmlformats.org/markup-compatibility/2006">
-    <mc:Choice xmlns:p14="http://schemas.microsoft.com/office/powerpoint/2010/main" Requires="p14">
+  <mc:AlternateContent xmlns:mc="http://schemas.openxmlformats.org/markup-compatibility/2006" xmlns:p14="http://schemas.microsoft.com/office/powerpoint/2010/main">
+    <mc:Choice Requires="p14">
       <p:transition spd="med" p14:dur="700">
         <p:fade/>
       </p:transition>
     </mc:Choice>
-    <mc:Fallback>
+    <mc:Fallback xmlns="">
       <p:transition spd="med">
         <p:fade/>
       </p:transition>
@@ -8216,13 +8216,13 @@
   <p:clrMapOvr>
     <a:masterClrMapping/>
   </p:clrMapOvr>
-  <mc:AlternateContent xmlns:mc="http://schemas.openxmlformats.org/markup-compatibility/2006">
-    <mc:Choice xmlns:p14="http://schemas.microsoft.com/office/powerpoint/2010/main" Requires="p14">
+  <mc:AlternateContent xmlns:mc="http://schemas.openxmlformats.org/markup-compatibility/2006" xmlns:p14="http://schemas.microsoft.com/office/powerpoint/2010/main">
+    <mc:Choice Requires="p14">
       <p:transition spd="med" p14:dur="700">
         <p:fade/>
       </p:transition>
     </mc:Choice>
-    <mc:Fallback>
+    <mc:Fallback xmlns="">
       <p:transition spd="med">
         <p:fade/>
       </p:transition>
@@ -8329,13 +8329,13 @@
   <p:clrMapOvr>
     <a:masterClrMapping/>
   </p:clrMapOvr>
-  <mc:AlternateContent xmlns:mc="http://schemas.openxmlformats.org/markup-compatibility/2006">
-    <mc:Choice xmlns:p14="http://schemas.microsoft.com/office/powerpoint/2010/main" Requires="p14">
+  <mc:AlternateContent xmlns:mc="http://schemas.openxmlformats.org/markup-compatibility/2006" xmlns:p14="http://schemas.microsoft.com/office/powerpoint/2010/main">
+    <mc:Choice Requires="p14">
       <p:transition spd="med" p14:dur="700">
         <p:fade/>
       </p:transition>
     </mc:Choice>
-    <mc:Fallback>
+    <mc:Fallback xmlns="">
       <p:transition spd="med">
         <p:fade/>
       </p:transition>
@@ -8442,13 +8442,13 @@
   <p:clrMapOvr>
     <a:masterClrMapping/>
   </p:clrMapOvr>
-  <mc:AlternateContent xmlns:mc="http://schemas.openxmlformats.org/markup-compatibility/2006">
-    <mc:Choice xmlns:p14="http://schemas.microsoft.com/office/powerpoint/2010/main" Requires="p14">
+  <mc:AlternateContent xmlns:mc="http://schemas.openxmlformats.org/markup-compatibility/2006" xmlns:p14="http://schemas.microsoft.com/office/powerpoint/2010/main">
+    <mc:Choice Requires="p14">
       <p:transition spd="med" p14:dur="700">
         <p:fade/>
       </p:transition>
     </mc:Choice>
-    <mc:Fallback>
+    <mc:Fallback xmlns="">
       <p:transition spd="med">
         <p:fade/>
       </p:transition>
@@ -8555,13 +8555,13 @@
   <p:clrMapOvr>
     <a:masterClrMapping/>
   </p:clrMapOvr>
-  <mc:AlternateContent xmlns:mc="http://schemas.openxmlformats.org/markup-compatibility/2006">
-    <mc:Choice xmlns:p14="http://schemas.microsoft.com/office/powerpoint/2010/main" Requires="p14">
+  <mc:AlternateContent xmlns:mc="http://schemas.openxmlformats.org/markup-compatibility/2006" xmlns:p14="http://schemas.microsoft.com/office/powerpoint/2010/main">
+    <mc:Choice Requires="p14">
       <p:transition spd="med" p14:dur="700">
         <p:fade/>
       </p:transition>
     </mc:Choice>
-    <mc:Fallback>
+    <mc:Fallback xmlns="">
       <p:transition spd="med">
         <p:fade/>
       </p:transition>
@@ -9479,13 +9479,13 @@
   <p:clrMapOvr>
     <a:masterClrMapping/>
   </p:clrMapOvr>
-  <mc:AlternateContent xmlns:mc="http://schemas.openxmlformats.org/markup-compatibility/2006">
-    <mc:Choice xmlns:p14="http://schemas.microsoft.com/office/powerpoint/2010/main" Requires="p14">
+  <mc:AlternateContent xmlns:mc="http://schemas.openxmlformats.org/markup-compatibility/2006" xmlns:p14="http://schemas.microsoft.com/office/powerpoint/2010/main">
+    <mc:Choice Requires="p14">
       <p:transition spd="med" p14:dur="700">
         <p:fade/>
       </p:transition>
     </mc:Choice>
-    <mc:Fallback>
+    <mc:Fallback xmlns="">
       <p:transition spd="med">
         <p:fade/>
       </p:transition>
@@ -10109,14 +10109,14 @@
             <p:ph idx="1"/>
             <p:extLst>
               <p:ext uri="{D42A27DB-BD31-4B8C-83A1-F6EECF244321}">
-                <p14:modId xmlns:p14="http://schemas.microsoft.com/office/powerpoint/2010/main" val="2779703597"/>
+                <p14:modId xmlns:p14="http://schemas.microsoft.com/office/powerpoint/2010/main" val="3634657388"/>
               </p:ext>
             </p:extLst>
           </p:nvPr>
         </p:nvGraphicFramePr>
         <p:xfrm>
-          <a:off x="533400" y="762001"/>
-          <a:ext cx="10744200" cy="7058842"/>
+          <a:off x="838200" y="0"/>
+          <a:ext cx="10629899" cy="6982882"/>
         </p:xfrm>
         <a:graphic>
           <a:graphicData uri="http://schemas.openxmlformats.org/drawingml/2006/table">
@@ -10125,35 +10125,35 @@
                 <a:tableStyleId>{21E4AEA4-8DFA-4A89-87EB-49C32662AFE0}</a:tableStyleId>
               </a:tblPr>
               <a:tblGrid>
-                <a:gridCol w="2819400">
+                <a:gridCol w="2789406">
                   <a:extLst>
                     <a:ext uri="{9D8B030D-6E8A-4147-A177-3AD203B41FA5}">
                       <a16:colId xmlns:a16="http://schemas.microsoft.com/office/drawing/2014/main" val="2356108004"/>
                     </a:ext>
                   </a:extLst>
                 </a:gridCol>
-                <a:gridCol w="1066800">
+                <a:gridCol w="1055451">
                   <a:extLst>
                     <a:ext uri="{9D8B030D-6E8A-4147-A177-3AD203B41FA5}">
                       <a16:colId xmlns:a16="http://schemas.microsoft.com/office/drawing/2014/main" val="244457972"/>
                     </a:ext>
                   </a:extLst>
                 </a:gridCol>
-                <a:gridCol w="1066800">
+                <a:gridCol w="1055451">
                   <a:extLst>
                     <a:ext uri="{9D8B030D-6E8A-4147-A177-3AD203B41FA5}">
                       <a16:colId xmlns:a16="http://schemas.microsoft.com/office/drawing/2014/main" val="1536194920"/>
                     </a:ext>
                   </a:extLst>
                 </a:gridCol>
-                <a:gridCol w="2362200">
+                <a:gridCol w="2337070">
                   <a:extLst>
                     <a:ext uri="{9D8B030D-6E8A-4147-A177-3AD203B41FA5}">
                       <a16:colId xmlns:a16="http://schemas.microsoft.com/office/drawing/2014/main" val="1131425045"/>
                     </a:ext>
                   </a:extLst>
                 </a:gridCol>
-                <a:gridCol w="3429000">
+                <a:gridCol w="3392521">
                   <a:extLst>
                     <a:ext uri="{9D8B030D-6E8A-4147-A177-3AD203B41FA5}">
                       <a16:colId xmlns:a16="http://schemas.microsoft.com/office/drawing/2014/main" val="3476739887"/>
@@ -10161,7 +10161,7 @@
                   </a:extLst>
                 </a:gridCol>
               </a:tblGrid>
-              <a:tr h="322763">
+              <a:tr h="355353">
                 <a:tc>
                   <a:txBody>
                     <a:bodyPr/>
@@ -10233,7 +10233,7 @@
                   </a:ext>
                 </a:extLst>
               </a:tr>
-              <a:tr h="472483">
+              <a:tr h="459040">
                 <a:tc>
                   <a:txBody>
                     <a:bodyPr/>
@@ -10302,7 +10302,7 @@
                   </a:ext>
                 </a:extLst>
               </a:tr>
-              <a:tr h="322763">
+              <a:tr h="355353">
                 <a:tc>
                   <a:txBody>
                     <a:bodyPr/>
@@ -10369,7 +10369,7 @@
                   </a:ext>
                 </a:extLst>
               </a:tr>
-              <a:tr h="564835">
+              <a:tr h="548764">
                 <a:tc>
                   <a:txBody>
                     <a:bodyPr/>
@@ -10442,7 +10442,7 @@
                   </a:ext>
                 </a:extLst>
               </a:tr>
-              <a:tr h="322763">
+              <a:tr h="355353">
                 <a:tc>
                   <a:txBody>
                     <a:bodyPr/>
@@ -10508,7 +10508,7 @@
                   </a:ext>
                 </a:extLst>
               </a:tr>
-              <a:tr h="322763">
+              <a:tr h="621868">
                 <a:tc>
                   <a:txBody>
                     <a:bodyPr/>
@@ -10587,7 +10587,7 @@
                   </a:ext>
                 </a:extLst>
               </a:tr>
-              <a:tr h="564835">
+              <a:tr h="548764">
                 <a:tc>
                   <a:txBody>
                     <a:bodyPr/>
@@ -10654,7 +10654,7 @@
                   </a:ext>
                 </a:extLst>
               </a:tr>
-              <a:tr h="322763">
+              <a:tr h="621868">
                 <a:tc>
                   <a:txBody>
                     <a:bodyPr/>
@@ -10726,7 +10726,7 @@
                   </a:ext>
                 </a:extLst>
               </a:tr>
-              <a:tr h="564835">
+              <a:tr h="548764">
                 <a:tc>
                   <a:txBody>
                     <a:bodyPr/>
@@ -10796,7 +10796,7 @@
                   </a:ext>
                 </a:extLst>
               </a:tr>
-              <a:tr h="322763">
+              <a:tr h="355353">
                 <a:tc>
                   <a:txBody>
                     <a:bodyPr/>
@@ -10857,7 +10857,7 @@
                   </a:ext>
                 </a:extLst>
               </a:tr>
-              <a:tr h="322763">
+              <a:tr h="621868">
                 <a:tc>
                   <a:txBody>
                     <a:bodyPr/>
@@ -10926,7 +10926,7 @@
                   </a:ext>
                 </a:extLst>
               </a:tr>
-              <a:tr h="502734">
+              <a:tr h="488430">
                 <a:tc>
                   <a:txBody>
                     <a:bodyPr/>
@@ -10992,7 +10992,7 @@
                   </a:ext>
                 </a:extLst>
               </a:tr>
-              <a:tr h="322763">
+              <a:tr h="355353">
                 <a:tc>
                   <a:txBody>
                     <a:bodyPr/>
@@ -11073,7 +11073,7 @@
                   </a:ext>
                 </a:extLst>
               </a:tr>
-              <a:tr h="322763">
+              <a:tr h="621868">
                 <a:tc>
                   <a:txBody>
                     <a:bodyPr/>
@@ -11293,13 +11293,13 @@
   <p:clrMapOvr>
     <a:masterClrMapping/>
   </p:clrMapOvr>
-  <mc:AlternateContent xmlns:mc="http://schemas.openxmlformats.org/markup-compatibility/2006">
-    <mc:Choice xmlns:p14="http://schemas.microsoft.com/office/powerpoint/2010/main" Requires="p14">
+  <mc:AlternateContent xmlns:mc="http://schemas.openxmlformats.org/markup-compatibility/2006" xmlns:p14="http://schemas.microsoft.com/office/powerpoint/2010/main">
+    <mc:Choice Requires="p14">
       <p:transition spd="med" p14:dur="700">
         <p:fade/>
       </p:transition>
     </mc:Choice>
-    <mc:Fallback>
+    <mc:Fallback xmlns="">
       <p:transition spd="med">
         <p:fade/>
       </p:transition>
@@ -11411,13 +11411,13 @@
   <p:clrMapOvr>
     <a:masterClrMapping/>
   </p:clrMapOvr>
-  <mc:AlternateContent xmlns:mc="http://schemas.openxmlformats.org/markup-compatibility/2006">
-    <mc:Choice xmlns:p14="http://schemas.microsoft.com/office/powerpoint/2010/main" Requires="p14">
+  <mc:AlternateContent xmlns:mc="http://schemas.openxmlformats.org/markup-compatibility/2006" xmlns:p14="http://schemas.microsoft.com/office/powerpoint/2010/main">
+    <mc:Choice Requires="p14">
       <p:transition spd="med" p14:dur="700">
         <p:fade/>
       </p:transition>
     </mc:Choice>
-    <mc:Fallback>
+    <mc:Fallback xmlns="">
       <p:transition spd="med">
         <p:fade/>
       </p:transition>
@@ -11529,13 +11529,13 @@
   <p:clrMapOvr>
     <a:masterClrMapping/>
   </p:clrMapOvr>
-  <mc:AlternateContent xmlns:mc="http://schemas.openxmlformats.org/markup-compatibility/2006">
-    <mc:Choice xmlns:p14="http://schemas.microsoft.com/office/powerpoint/2010/main" Requires="p14">
+  <mc:AlternateContent xmlns:mc="http://schemas.openxmlformats.org/markup-compatibility/2006" xmlns:p14="http://schemas.microsoft.com/office/powerpoint/2010/main">
+    <mc:Choice Requires="p14">
       <p:transition spd="med" p14:dur="700">
         <p:fade/>
       </p:transition>
     </mc:Choice>
-    <mc:Fallback>
+    <mc:Fallback xmlns="">
       <p:transition spd="med">
         <p:fade/>
       </p:transition>
@@ -11643,13 +11643,13 @@
   <p:clrMapOvr>
     <a:masterClrMapping/>
   </p:clrMapOvr>
-  <mc:AlternateContent xmlns:mc="http://schemas.openxmlformats.org/markup-compatibility/2006">
-    <mc:Choice xmlns:p14="http://schemas.microsoft.com/office/powerpoint/2010/main" Requires="p14">
+  <mc:AlternateContent xmlns:mc="http://schemas.openxmlformats.org/markup-compatibility/2006" xmlns:p14="http://schemas.microsoft.com/office/powerpoint/2010/main">
+    <mc:Choice Requires="p14">
       <p:transition spd="med" p14:dur="700">
         <p:fade/>
       </p:transition>
     </mc:Choice>
-    <mc:Fallback>
+    <mc:Fallback xmlns="">
       <p:transition spd="med">
         <p:fade/>
       </p:transition>
@@ -11756,13 +11756,13 @@
   <p:clrMapOvr>
     <a:masterClrMapping/>
   </p:clrMapOvr>
-  <mc:AlternateContent xmlns:mc="http://schemas.openxmlformats.org/markup-compatibility/2006">
-    <mc:Choice xmlns:p14="http://schemas.microsoft.com/office/powerpoint/2010/main" Requires="p14">
+  <mc:AlternateContent xmlns:mc="http://schemas.openxmlformats.org/markup-compatibility/2006" xmlns:p14="http://schemas.microsoft.com/office/powerpoint/2010/main">
+    <mc:Choice Requires="p14">
       <p:transition spd="med" p14:dur="700">
         <p:fade/>
       </p:transition>
     </mc:Choice>
-    <mc:Fallback>
+    <mc:Fallback xmlns="">
       <p:transition spd="med">
         <p:fade/>
       </p:transition>
@@ -11874,13 +11874,13 @@
   <p:clrMapOvr>
     <a:masterClrMapping/>
   </p:clrMapOvr>
-  <mc:AlternateContent xmlns:mc="http://schemas.openxmlformats.org/markup-compatibility/2006">
-    <mc:Choice xmlns:p14="http://schemas.microsoft.com/office/powerpoint/2010/main" Requires="p14">
+  <mc:AlternateContent xmlns:mc="http://schemas.openxmlformats.org/markup-compatibility/2006" xmlns:p14="http://schemas.microsoft.com/office/powerpoint/2010/main">
+    <mc:Choice Requires="p14">
       <p:transition spd="med" p14:dur="700">
         <p:fade/>
       </p:transition>
     </mc:Choice>
-    <mc:Fallback>
+    <mc:Fallback xmlns="">
       <p:transition spd="med">
         <p:fade/>
       </p:transition>
